--- a/Problem1/Project1Presentation.pptx
+++ b/Problem1/Project1Presentation.pptx
@@ -8092,7 +8092,7 @@
             <a:tbl>
               <a:tblPr>
                 <a:noFill/>
-                <a:tableStyleId>{14547D88-A67B-4B12-B61D-98C0E83A41FC}</a:tableStyleId>
+                <a:tableStyleId>{8E451D30-AE4D-411E-AA6F-45B7B79A3768}</a:tableStyleId>
               </a:tblPr>
               <a:tblGrid>
                 <a:gridCol w="1809750"/>
@@ -8859,7 +8859,7 @@
                 <a:cs typeface="Source Sans Pro"/>
                 <a:sym typeface="Source Sans Pro"/>
               </a:rPr>
-              <a:t>The turnaround time was 94.0</a:t>
+              <a:t>The turnaround time was 64.0</a:t>
             </a:r>
             <a:endParaRPr>
               <a:latin typeface="Source Sans Pro"/>
@@ -8905,7 +8905,7 @@
                 <a:cs typeface="Source Sans Pro"/>
                 <a:sym typeface="Source Sans Pro"/>
               </a:rPr>
-              <a:t>The average turnaround time was 18.8</a:t>
+              <a:t>The average turnaround time was 12.8</a:t>
             </a:r>
             <a:endParaRPr>
               <a:latin typeface="Source Sans Pro"/>
@@ -9000,7 +9000,7 @@
         </p:spPr>
         <p:txBody>
           <a:bodyPr anchorCtr="0" anchor="t" bIns="91425" lIns="91425" spcFirstLastPara="1" rIns="91425" wrap="square" tIns="91425">
-            <a:normAutofit lnSpcReduction="20000"/>
+            <a:normAutofit fontScale="92500" lnSpcReduction="20000"/>
           </a:bodyPr>
           <a:lstStyle/>
           <a:p>
@@ -9046,7 +9046,23 @@
             </a:pPr>
             <a:r>
               <a:rPr lang="en"/>
-              <a:t>The turnaround time for Priority Scheduling can vary depending on how many swaps are needed and the order they are placed in, smaller processes = lower turnaround time. TWT also affected by number of swaps.</a:t>
+              <a:t>The turnaround time for Priority Scheduling can vary depending on how many swaps are needed and the order they are placed in, </a:t>
+            </a:r>
+            <a:endParaRPr/>
+          </a:p>
+          <a:p>
+            <a:pPr indent="0" lvl="0" marL="0" rtl="0" algn="l">
+              <a:spcBef>
+                <a:spcPts val="1200"/>
+              </a:spcBef>
+              <a:spcAft>
+                <a:spcPts val="0"/>
+              </a:spcAft>
+              <a:buNone/>
+            </a:pPr>
+            <a:r>
+              <a:rPr lang="en"/>
+              <a:t>smaller processes in front + less swaps = lower waiting time and by extension turnaround. </a:t>
             </a:r>
             <a:endParaRPr/>
           </a:p>
@@ -9097,37 +9113,9 @@
           </a:p>
         </p:txBody>
       </p:sp>
-      <p:pic>
-        <p:nvPicPr>
-          <p:cNvPr id="138" name="Google Shape;138;p24"/>
-          <p:cNvPicPr preferRelativeResize="0"/>
-          <p:nvPr/>
-        </p:nvPicPr>
-        <p:blipFill>
-          <a:blip r:embed="rId3">
-            <a:alphaModFix/>
-          </a:blip>
-          <a:stretch>
-            <a:fillRect/>
-          </a:stretch>
-        </p:blipFill>
-        <p:spPr>
-          <a:xfrm>
-            <a:off x="-12" y="4306263"/>
-            <a:ext cx="4371975" cy="676275"/>
-          </a:xfrm>
-          <a:prstGeom prst="rect">
-            <a:avLst/>
-          </a:prstGeom>
-          <a:noFill/>
-          <a:ln>
-            <a:noFill/>
-          </a:ln>
-        </p:spPr>
-      </p:pic>
       <p:sp>
         <p:nvSpPr>
-          <p:cNvPr id="139" name="Google Shape;139;p24"/>
+          <p:cNvPr id="138" name="Google Shape;138;p24"/>
           <p:cNvSpPr txBox="1"/>
           <p:nvPr/>
         </p:nvSpPr>
@@ -9179,7 +9167,7 @@
       </p:sp>
       <p:sp>
         <p:nvSpPr>
-          <p:cNvPr id="140" name="Google Shape;140;p24"/>
+          <p:cNvPr id="139" name="Google Shape;139;p24"/>
           <p:cNvSpPr txBox="1"/>
           <p:nvPr/>
         </p:nvSpPr>
@@ -9231,6 +9219,34 @@
       </p:sp>
       <p:pic>
         <p:nvPicPr>
+          <p:cNvPr id="140" name="Google Shape;140;p24"/>
+          <p:cNvPicPr preferRelativeResize="0"/>
+          <p:nvPr/>
+        </p:nvPicPr>
+        <p:blipFill>
+          <a:blip r:embed="rId3">
+            <a:alphaModFix/>
+          </a:blip>
+          <a:stretch>
+            <a:fillRect/>
+          </a:stretch>
+        </p:blipFill>
+        <p:spPr>
+          <a:xfrm>
+            <a:off x="4574967" y="4239601"/>
+            <a:ext cx="4461409" cy="833450"/>
+          </a:xfrm>
+          <a:prstGeom prst="rect">
+            <a:avLst/>
+          </a:prstGeom>
+          <a:noFill/>
+          <a:ln>
+            <a:noFill/>
+          </a:ln>
+        </p:spPr>
+      </p:pic>
+      <p:pic>
+        <p:nvPicPr>
           <p:cNvPr id="141" name="Google Shape;141;p24"/>
           <p:cNvPicPr preferRelativeResize="0"/>
           <p:nvPr/>
@@ -9245,8 +9261,8 @@
         </p:blipFill>
         <p:spPr>
           <a:xfrm>
-            <a:off x="4899175" y="4275513"/>
-            <a:ext cx="4048125" cy="676275"/>
+            <a:off x="42000" y="4263426"/>
+            <a:ext cx="4422577" cy="809625"/>
           </a:xfrm>
           <a:prstGeom prst="rect">
             <a:avLst/>
@@ -10001,7 +10017,7 @@
             <a:tbl>
               <a:tblPr>
                 <a:noFill/>
-                <a:tableStyleId>{14547D88-A67B-4B12-B61D-98C0E83A41FC}</a:tableStyleId>
+                <a:tableStyleId>{8E451D30-AE4D-411E-AA6F-45B7B79A3768}</a:tableStyleId>
               </a:tblPr>
               <a:tblGrid>
                 <a:gridCol w="2289675"/>
@@ -11224,7 +11240,7 @@
             <a:tbl>
               <a:tblPr>
                 <a:noFill/>
-                <a:tableStyleId>{14547D88-A67B-4B12-B61D-98C0E83A41FC}</a:tableStyleId>
+                <a:tableStyleId>{8E451D30-AE4D-411E-AA6F-45B7B79A3768}</a:tableStyleId>
               </a:tblPr>
               <a:tblGrid>
                 <a:gridCol w="2178175"/>
